--- a/src/chaeheeju/오버라이딩.pptx
+++ b/src/chaeheeju/오버라이딩.pptx
@@ -18,6 +18,11 @@
     <p:sldId id="266" r:id="rId12"/>
     <p:sldId id="267" r:id="rId13"/>
     <p:sldId id="268" r:id="rId14"/>
+    <p:sldId id="272" r:id="rId15"/>
+    <p:sldId id="273" r:id="rId16"/>
+    <p:sldId id="269" r:id="rId17"/>
+    <p:sldId id="271" r:id="rId18"/>
+    <p:sldId id="270" r:id="rId19"/>
   </p:sldIdLst>
   <p:sldSz cx="9144000" cy="6858000" type="screen4x3"/>
   <p:notesSz cx="6858000" cy="9144000"/>
@@ -134,6 +139,11 @@
             <p14:sldId id="266"/>
             <p14:sldId id="267"/>
             <p14:sldId id="268"/>
+            <p14:sldId id="272"/>
+            <p14:sldId id="273"/>
+            <p14:sldId id="269"/>
+            <p14:sldId id="271"/>
+            <p14:sldId id="270"/>
           </p14:sldIdLst>
         </p14:section>
       </p14:sectionLst>
@@ -336,7 +346,7 @@
           <a:p>
             <a:fld id="{35B39518-BC36-4AA4-B9E1-EC0C599BC20C}" type="datetimeFigureOut">
               <a:rPr lang="ko-KR" altLang="en-US" smtClean="0"/>
-              <a:t>2019-03-04</a:t>
+              <a:t>2019-03-06</a:t>
             </a:fld>
             <a:endParaRPr lang="ko-KR" altLang="en-US"/>
           </a:p>
@@ -501,7 +511,7 @@
           <a:p>
             <a:fld id="{35B39518-BC36-4AA4-B9E1-EC0C599BC20C}" type="datetimeFigureOut">
               <a:rPr lang="ko-KR" altLang="en-US" smtClean="0"/>
-              <a:t>2019-03-04</a:t>
+              <a:t>2019-03-06</a:t>
             </a:fld>
             <a:endParaRPr lang="ko-KR" altLang="en-US"/>
           </a:p>
@@ -676,7 +686,7 @@
           <a:p>
             <a:fld id="{35B39518-BC36-4AA4-B9E1-EC0C599BC20C}" type="datetimeFigureOut">
               <a:rPr lang="ko-KR" altLang="en-US" smtClean="0"/>
-              <a:t>2019-03-04</a:t>
+              <a:t>2019-03-06</a:t>
             </a:fld>
             <a:endParaRPr lang="ko-KR" altLang="en-US"/>
           </a:p>
@@ -841,7 +851,7 @@
           <a:p>
             <a:fld id="{35B39518-BC36-4AA4-B9E1-EC0C599BC20C}" type="datetimeFigureOut">
               <a:rPr lang="ko-KR" altLang="en-US" smtClean="0"/>
-              <a:t>2019-03-04</a:t>
+              <a:t>2019-03-06</a:t>
             </a:fld>
             <a:endParaRPr lang="ko-KR" altLang="en-US"/>
           </a:p>
@@ -1082,7 +1092,7 @@
           <a:p>
             <a:fld id="{35B39518-BC36-4AA4-B9E1-EC0C599BC20C}" type="datetimeFigureOut">
               <a:rPr lang="ko-KR" altLang="en-US" smtClean="0"/>
-              <a:t>2019-03-04</a:t>
+              <a:t>2019-03-06</a:t>
             </a:fld>
             <a:endParaRPr lang="ko-KR" altLang="en-US"/>
           </a:p>
@@ -1365,7 +1375,7 @@
           <a:p>
             <a:fld id="{35B39518-BC36-4AA4-B9E1-EC0C599BC20C}" type="datetimeFigureOut">
               <a:rPr lang="ko-KR" altLang="en-US" smtClean="0"/>
-              <a:t>2019-03-04</a:t>
+              <a:t>2019-03-06</a:t>
             </a:fld>
             <a:endParaRPr lang="ko-KR" altLang="en-US"/>
           </a:p>
@@ -1794,7 +1804,7 @@
           <a:p>
             <a:fld id="{35B39518-BC36-4AA4-B9E1-EC0C599BC20C}" type="datetimeFigureOut">
               <a:rPr lang="ko-KR" altLang="en-US" smtClean="0"/>
-              <a:t>2019-03-04</a:t>
+              <a:t>2019-03-06</a:t>
             </a:fld>
             <a:endParaRPr lang="ko-KR" altLang="en-US"/>
           </a:p>
@@ -1907,7 +1917,7 @@
           <a:p>
             <a:fld id="{35B39518-BC36-4AA4-B9E1-EC0C599BC20C}" type="datetimeFigureOut">
               <a:rPr lang="ko-KR" altLang="en-US" smtClean="0"/>
-              <a:t>2019-03-04</a:t>
+              <a:t>2019-03-06</a:t>
             </a:fld>
             <a:endParaRPr lang="ko-KR" altLang="en-US"/>
           </a:p>
@@ -1997,7 +2007,7 @@
           <a:p>
             <a:fld id="{35B39518-BC36-4AA4-B9E1-EC0C599BC20C}" type="datetimeFigureOut">
               <a:rPr lang="ko-KR" altLang="en-US" smtClean="0"/>
-              <a:t>2019-03-04</a:t>
+              <a:t>2019-03-06</a:t>
             </a:fld>
             <a:endParaRPr lang="ko-KR" altLang="en-US"/>
           </a:p>
@@ -2186,7 +2196,7 @@
           <a:p>
             <a:fld id="{35B39518-BC36-4AA4-B9E1-EC0C599BC20C}" type="datetimeFigureOut">
               <a:rPr lang="ko-KR" altLang="en-US" smtClean="0"/>
-              <a:t>2019-03-04</a:t>
+              <a:t>2019-03-06</a:t>
             </a:fld>
             <a:endParaRPr lang="ko-KR" altLang="en-US"/>
           </a:p>
@@ -2504,7 +2514,7 @@
           <a:p>
             <a:fld id="{35B39518-BC36-4AA4-B9E1-EC0C599BC20C}" type="datetimeFigureOut">
               <a:rPr lang="ko-KR" altLang="en-US" smtClean="0"/>
-              <a:t>2019-03-04</a:t>
+              <a:t>2019-03-06</a:t>
             </a:fld>
             <a:endParaRPr lang="ko-KR" altLang="en-US"/>
           </a:p>
@@ -2883,7 +2893,7 @@
           <a:p>
             <a:fld id="{35B39518-BC36-4AA4-B9E1-EC0C599BC20C}" type="datetimeFigureOut">
               <a:rPr lang="ko-KR" altLang="en-US" smtClean="0"/>
-              <a:t>2019-03-04</a:t>
+              <a:t>2019-03-06</a:t>
             </a:fld>
             <a:endParaRPr lang="ko-KR" altLang="en-US"/>
           </a:p>
@@ -3746,6 +3756,426 @@
 </p:sld>
 </file>
 
+<file path=ppt/slides/slide14.xml><?xml version="1.0" encoding="utf-8"?>
+<p:sld xmlns:a="http://schemas.openxmlformats.org/drawingml/2006/main" xmlns:r="http://schemas.openxmlformats.org/officeDocument/2006/relationships" xmlns:p="http://schemas.openxmlformats.org/presentationml/2006/main">
+  <p:cSld>
+    <p:spTree>
+      <p:nvGrpSpPr>
+        <p:cNvPr id="1" name=""/>
+        <p:cNvGrpSpPr/>
+        <p:nvPr/>
+      </p:nvGrpSpPr>
+      <p:grpSpPr>
+        <a:xfrm>
+          <a:off x="0" y="0"/>
+          <a:ext cx="0" cy="0"/>
+          <a:chOff x="0" y="0"/>
+          <a:chExt cx="0" cy="0"/>
+        </a:xfrm>
+      </p:grpSpPr>
+      <p:pic>
+        <p:nvPicPr>
+          <p:cNvPr id="4098" name="Picture 2"/>
+          <p:cNvPicPr>
+            <a:picLocks noChangeAspect="1" noChangeArrowheads="1"/>
+          </p:cNvPicPr>
+          <p:nvPr/>
+        </p:nvPicPr>
+        <p:blipFill>
+          <a:blip r:embed="rId2">
+            <a:extLst>
+              <a:ext uri="{28A0092B-C50C-407E-A947-70E740481C1C}">
+                <a14:useLocalDpi xmlns:a14="http://schemas.microsoft.com/office/drawing/2010/main" val="0"/>
+              </a:ext>
+            </a:extLst>
+          </a:blip>
+          <a:srcRect/>
+          <a:stretch>
+            <a:fillRect/>
+          </a:stretch>
+        </p:blipFill>
+        <p:spPr bwMode="auto">
+          <a:xfrm>
+            <a:off x="12653" y="0"/>
+            <a:ext cx="8447779" cy="6858000"/>
+          </a:xfrm>
+          <a:prstGeom prst="rect">
+            <a:avLst/>
+          </a:prstGeom>
+          <a:noFill/>
+          <a:ln>
+            <a:noFill/>
+          </a:ln>
+          <a:extLst>
+            <a:ext uri="{909E8E84-426E-40DD-AFC4-6F175D3DCCD1}">
+              <a14:hiddenFill xmlns:a14="http://schemas.microsoft.com/office/drawing/2010/main">
+                <a:solidFill>
+                  <a:schemeClr val="accent1"/>
+                </a:solidFill>
+              </a14:hiddenFill>
+            </a:ext>
+            <a:ext uri="{91240B29-F687-4F45-9708-019B960494DF}">
+              <a14:hiddenLine xmlns:a14="http://schemas.microsoft.com/office/drawing/2010/main" w="9525">
+                <a:solidFill>
+                  <a:schemeClr val="tx1"/>
+                </a:solidFill>
+                <a:miter lim="800000"/>
+                <a:headEnd/>
+                <a:tailEnd/>
+              </a14:hiddenLine>
+            </a:ext>
+          </a:extLst>
+        </p:spPr>
+      </p:pic>
+    </p:spTree>
+    <p:extLst>
+      <p:ext uri="{BB962C8B-B14F-4D97-AF65-F5344CB8AC3E}">
+        <p14:creationId xmlns:p14="http://schemas.microsoft.com/office/powerpoint/2010/main" val="1541335096"/>
+      </p:ext>
+    </p:extLst>
+  </p:cSld>
+  <p:clrMapOvr>
+    <a:masterClrMapping/>
+  </p:clrMapOvr>
+</p:sld>
+</file>
+
+<file path=ppt/slides/slide15.xml><?xml version="1.0" encoding="utf-8"?>
+<p:sld xmlns:a="http://schemas.openxmlformats.org/drawingml/2006/main" xmlns:r="http://schemas.openxmlformats.org/officeDocument/2006/relationships" xmlns:p="http://schemas.openxmlformats.org/presentationml/2006/main">
+  <p:cSld>
+    <p:spTree>
+      <p:nvGrpSpPr>
+        <p:cNvPr id="1" name=""/>
+        <p:cNvGrpSpPr/>
+        <p:nvPr/>
+      </p:nvGrpSpPr>
+      <p:grpSpPr>
+        <a:xfrm>
+          <a:off x="0" y="0"/>
+          <a:ext cx="0" cy="0"/>
+          <a:chOff x="0" y="0"/>
+          <a:chExt cx="0" cy="0"/>
+        </a:xfrm>
+      </p:grpSpPr>
+      <p:pic>
+        <p:nvPicPr>
+          <p:cNvPr id="5122" name="Picture 2"/>
+          <p:cNvPicPr>
+            <a:picLocks noChangeAspect="1" noChangeArrowheads="1"/>
+          </p:cNvPicPr>
+          <p:nvPr/>
+        </p:nvPicPr>
+        <p:blipFill>
+          <a:blip r:embed="rId2">
+            <a:extLst>
+              <a:ext uri="{28A0092B-C50C-407E-A947-70E740481C1C}">
+                <a14:useLocalDpi xmlns:a14="http://schemas.microsoft.com/office/drawing/2010/main" val="0"/>
+              </a:ext>
+            </a:extLst>
+          </a:blip>
+          <a:srcRect/>
+          <a:stretch>
+            <a:fillRect/>
+          </a:stretch>
+        </p:blipFill>
+        <p:spPr bwMode="auto">
+          <a:xfrm>
+            <a:off x="-29507" y="-99392"/>
+            <a:ext cx="8489939" cy="6957392"/>
+          </a:xfrm>
+          <a:prstGeom prst="rect">
+            <a:avLst/>
+          </a:prstGeom>
+          <a:noFill/>
+          <a:ln>
+            <a:noFill/>
+          </a:ln>
+          <a:extLst>
+            <a:ext uri="{909E8E84-426E-40DD-AFC4-6F175D3DCCD1}">
+              <a14:hiddenFill xmlns:a14="http://schemas.microsoft.com/office/drawing/2010/main">
+                <a:solidFill>
+                  <a:schemeClr val="accent1"/>
+                </a:solidFill>
+              </a14:hiddenFill>
+            </a:ext>
+            <a:ext uri="{91240B29-F687-4F45-9708-019B960494DF}">
+              <a14:hiddenLine xmlns:a14="http://schemas.microsoft.com/office/drawing/2010/main" w="9525">
+                <a:solidFill>
+                  <a:schemeClr val="tx1"/>
+                </a:solidFill>
+                <a:miter lim="800000"/>
+                <a:headEnd/>
+                <a:tailEnd/>
+              </a14:hiddenLine>
+            </a:ext>
+          </a:extLst>
+        </p:spPr>
+      </p:pic>
+    </p:spTree>
+    <p:extLst>
+      <p:ext uri="{BB962C8B-B14F-4D97-AF65-F5344CB8AC3E}">
+        <p14:creationId xmlns:p14="http://schemas.microsoft.com/office/powerpoint/2010/main" val="3338437170"/>
+      </p:ext>
+    </p:extLst>
+  </p:cSld>
+  <p:clrMapOvr>
+    <a:masterClrMapping/>
+  </p:clrMapOvr>
+</p:sld>
+</file>
+
+<file path=ppt/slides/slide16.xml><?xml version="1.0" encoding="utf-8"?>
+<p:sld xmlns:a="http://schemas.openxmlformats.org/drawingml/2006/main" xmlns:r="http://schemas.openxmlformats.org/officeDocument/2006/relationships" xmlns:p="http://schemas.openxmlformats.org/presentationml/2006/main">
+  <p:cSld>
+    <p:spTree>
+      <p:nvGrpSpPr>
+        <p:cNvPr id="1" name=""/>
+        <p:cNvGrpSpPr/>
+        <p:nvPr/>
+      </p:nvGrpSpPr>
+      <p:grpSpPr>
+        <a:xfrm>
+          <a:off x="0" y="0"/>
+          <a:ext cx="0" cy="0"/>
+          <a:chOff x="0" y="0"/>
+          <a:chExt cx="0" cy="0"/>
+        </a:xfrm>
+      </p:grpSpPr>
+      <p:pic>
+        <p:nvPicPr>
+          <p:cNvPr id="1026" name="Picture 2"/>
+          <p:cNvPicPr>
+            <a:picLocks noChangeAspect="1" noChangeArrowheads="1"/>
+          </p:cNvPicPr>
+          <p:nvPr/>
+        </p:nvPicPr>
+        <p:blipFill>
+          <a:blip r:embed="rId2">
+            <a:extLst>
+              <a:ext uri="{28A0092B-C50C-407E-A947-70E740481C1C}">
+                <a14:useLocalDpi xmlns:a14="http://schemas.microsoft.com/office/drawing/2010/main" val="0"/>
+              </a:ext>
+            </a:extLst>
+          </a:blip>
+          <a:srcRect/>
+          <a:stretch>
+            <a:fillRect/>
+          </a:stretch>
+        </p:blipFill>
+        <p:spPr bwMode="auto">
+          <a:xfrm>
+            <a:off x="395536" y="476672"/>
+            <a:ext cx="7128792" cy="5448300"/>
+          </a:xfrm>
+          <a:prstGeom prst="rect">
+            <a:avLst/>
+          </a:prstGeom>
+          <a:noFill/>
+          <a:ln>
+            <a:noFill/>
+          </a:ln>
+          <a:extLst>
+            <a:ext uri="{909E8E84-426E-40DD-AFC4-6F175D3DCCD1}">
+              <a14:hiddenFill xmlns:a14="http://schemas.microsoft.com/office/drawing/2010/main">
+                <a:solidFill>
+                  <a:schemeClr val="accent1"/>
+                </a:solidFill>
+              </a14:hiddenFill>
+            </a:ext>
+            <a:ext uri="{91240B29-F687-4F45-9708-019B960494DF}">
+              <a14:hiddenLine xmlns:a14="http://schemas.microsoft.com/office/drawing/2010/main" w="9525">
+                <a:solidFill>
+                  <a:schemeClr val="tx1"/>
+                </a:solidFill>
+                <a:miter lim="800000"/>
+                <a:headEnd/>
+                <a:tailEnd/>
+              </a14:hiddenLine>
+            </a:ext>
+          </a:extLst>
+        </p:spPr>
+      </p:pic>
+    </p:spTree>
+    <p:extLst>
+      <p:ext uri="{BB962C8B-B14F-4D97-AF65-F5344CB8AC3E}">
+        <p14:creationId xmlns:p14="http://schemas.microsoft.com/office/powerpoint/2010/main" val="951789572"/>
+      </p:ext>
+    </p:extLst>
+  </p:cSld>
+  <p:clrMapOvr>
+    <a:masterClrMapping/>
+  </p:clrMapOvr>
+</p:sld>
+</file>
+
+<file path=ppt/slides/slide17.xml><?xml version="1.0" encoding="utf-8"?>
+<p:sld xmlns:a="http://schemas.openxmlformats.org/drawingml/2006/main" xmlns:r="http://schemas.openxmlformats.org/officeDocument/2006/relationships" xmlns:p="http://schemas.openxmlformats.org/presentationml/2006/main">
+  <p:cSld>
+    <p:spTree>
+      <p:nvGrpSpPr>
+        <p:cNvPr id="1" name=""/>
+        <p:cNvGrpSpPr/>
+        <p:nvPr/>
+      </p:nvGrpSpPr>
+      <p:grpSpPr>
+        <a:xfrm>
+          <a:off x="0" y="0"/>
+          <a:ext cx="0" cy="0"/>
+          <a:chOff x="0" y="0"/>
+          <a:chExt cx="0" cy="0"/>
+        </a:xfrm>
+      </p:grpSpPr>
+      <p:pic>
+        <p:nvPicPr>
+          <p:cNvPr id="2050" name="Picture 2"/>
+          <p:cNvPicPr>
+            <a:picLocks noChangeAspect="1" noChangeArrowheads="1"/>
+          </p:cNvPicPr>
+          <p:nvPr/>
+        </p:nvPicPr>
+        <p:blipFill>
+          <a:blip r:embed="rId2">
+            <a:extLst>
+              <a:ext uri="{28A0092B-C50C-407E-A947-70E740481C1C}">
+                <a14:useLocalDpi xmlns:a14="http://schemas.microsoft.com/office/drawing/2010/main" val="0"/>
+              </a:ext>
+            </a:extLst>
+          </a:blip>
+          <a:srcRect/>
+          <a:stretch>
+            <a:fillRect/>
+          </a:stretch>
+        </p:blipFill>
+        <p:spPr bwMode="auto">
+          <a:xfrm>
+            <a:off x="0" y="0"/>
+            <a:ext cx="8460432" cy="6858000"/>
+          </a:xfrm>
+          <a:prstGeom prst="rect">
+            <a:avLst/>
+          </a:prstGeom>
+          <a:noFill/>
+          <a:ln>
+            <a:noFill/>
+          </a:ln>
+          <a:extLst>
+            <a:ext uri="{909E8E84-426E-40DD-AFC4-6F175D3DCCD1}">
+              <a14:hiddenFill xmlns:a14="http://schemas.microsoft.com/office/drawing/2010/main">
+                <a:solidFill>
+                  <a:schemeClr val="accent1"/>
+                </a:solidFill>
+              </a14:hiddenFill>
+            </a:ext>
+            <a:ext uri="{91240B29-F687-4F45-9708-019B960494DF}">
+              <a14:hiddenLine xmlns:a14="http://schemas.microsoft.com/office/drawing/2010/main" w="9525">
+                <a:solidFill>
+                  <a:schemeClr val="tx1"/>
+                </a:solidFill>
+                <a:miter lim="800000"/>
+                <a:headEnd/>
+                <a:tailEnd/>
+              </a14:hiddenLine>
+            </a:ext>
+          </a:extLst>
+        </p:spPr>
+      </p:pic>
+    </p:spTree>
+    <p:extLst>
+      <p:ext uri="{BB962C8B-B14F-4D97-AF65-F5344CB8AC3E}">
+        <p14:creationId xmlns:p14="http://schemas.microsoft.com/office/powerpoint/2010/main" val="1798123160"/>
+      </p:ext>
+    </p:extLst>
+  </p:cSld>
+  <p:clrMapOvr>
+    <a:masterClrMapping/>
+  </p:clrMapOvr>
+</p:sld>
+</file>
+
+<file path=ppt/slides/slide18.xml><?xml version="1.0" encoding="utf-8"?>
+<p:sld xmlns:a="http://schemas.openxmlformats.org/drawingml/2006/main" xmlns:r="http://schemas.openxmlformats.org/officeDocument/2006/relationships" xmlns:p="http://schemas.openxmlformats.org/presentationml/2006/main">
+  <p:cSld>
+    <p:spTree>
+      <p:nvGrpSpPr>
+        <p:cNvPr id="1" name=""/>
+        <p:cNvGrpSpPr/>
+        <p:nvPr/>
+      </p:nvGrpSpPr>
+      <p:grpSpPr>
+        <a:xfrm>
+          <a:off x="0" y="0"/>
+          <a:ext cx="0" cy="0"/>
+          <a:chOff x="0" y="0"/>
+          <a:chExt cx="0" cy="0"/>
+        </a:xfrm>
+      </p:grpSpPr>
+      <p:pic>
+        <p:nvPicPr>
+          <p:cNvPr id="3074" name="Picture 2"/>
+          <p:cNvPicPr>
+            <a:picLocks noChangeAspect="1" noChangeArrowheads="1"/>
+          </p:cNvPicPr>
+          <p:nvPr/>
+        </p:nvPicPr>
+        <p:blipFill>
+          <a:blip r:embed="rId2">
+            <a:extLst>
+              <a:ext uri="{28A0092B-C50C-407E-A947-70E740481C1C}">
+                <a14:useLocalDpi xmlns:a14="http://schemas.microsoft.com/office/drawing/2010/main" val="0"/>
+              </a:ext>
+            </a:extLst>
+          </a:blip>
+          <a:srcRect/>
+          <a:stretch>
+            <a:fillRect/>
+          </a:stretch>
+        </p:blipFill>
+        <p:spPr bwMode="auto">
+          <a:xfrm>
+            <a:off x="-454" y="0"/>
+            <a:ext cx="8460886" cy="6858000"/>
+          </a:xfrm>
+          <a:prstGeom prst="rect">
+            <a:avLst/>
+          </a:prstGeom>
+          <a:noFill/>
+          <a:ln>
+            <a:noFill/>
+          </a:ln>
+          <a:extLst>
+            <a:ext uri="{909E8E84-426E-40DD-AFC4-6F175D3DCCD1}">
+              <a14:hiddenFill xmlns:a14="http://schemas.microsoft.com/office/drawing/2010/main">
+                <a:solidFill>
+                  <a:schemeClr val="accent1"/>
+                </a:solidFill>
+              </a14:hiddenFill>
+            </a:ext>
+            <a:ext uri="{91240B29-F687-4F45-9708-019B960494DF}">
+              <a14:hiddenLine xmlns:a14="http://schemas.microsoft.com/office/drawing/2010/main" w="9525">
+                <a:solidFill>
+                  <a:schemeClr val="tx1"/>
+                </a:solidFill>
+                <a:miter lim="800000"/>
+                <a:headEnd/>
+                <a:tailEnd/>
+              </a14:hiddenLine>
+            </a:ext>
+          </a:extLst>
+        </p:spPr>
+      </p:pic>
+    </p:spTree>
+    <p:extLst>
+      <p:ext uri="{BB962C8B-B14F-4D97-AF65-F5344CB8AC3E}">
+        <p14:creationId xmlns:p14="http://schemas.microsoft.com/office/powerpoint/2010/main" val="3231131719"/>
+      </p:ext>
+    </p:extLst>
+  </p:cSld>
+  <p:clrMapOvr>
+    <a:masterClrMapping/>
+  </p:clrMapOvr>
+</p:sld>
+</file>
+
 <file path=ppt/slides/slide2.xml><?xml version="1.0" encoding="utf-8"?>
 <p:sld xmlns:a="http://schemas.openxmlformats.org/drawingml/2006/main" xmlns:r="http://schemas.openxmlformats.org/officeDocument/2006/relationships" xmlns:p="http://schemas.openxmlformats.org/presentationml/2006/main">
   <p:cSld>
